--- a/MetaMolES  - RDKit.pptx
+++ b/MetaMolES  - RDKit.pptx
@@ -124,6 +124,43 @@
 </p:presentation>
 </file>
 
+<file path=ppt/revisionInfo.xml><?xml version="1.0" encoding="utf-8"?>
+<p1510:revInfo xmlns:a="http://schemas.openxmlformats.org/drawingml/2006/main" xmlns:r="http://schemas.openxmlformats.org/officeDocument/2006/relationships" xmlns:p1510="http://schemas.microsoft.com/office/powerpoint/2015/10/main">
+  <p1510:revLst>
+    <p1510:client id="{04F83ACD-91D3-4873-9780-41E075147682}" v="1" dt="2019-02-21T19:34:32.686"/>
+  </p1510:revLst>
+</p1510:revInfo>
+</file>
+
+<file path=ppt/changesInfos/changesInfo1.xml><?xml version="1.0" encoding="utf-8"?>
+<pc:chgInfo xmlns:a="http://schemas.openxmlformats.org/drawingml/2006/main" xmlns:r="http://schemas.openxmlformats.org/officeDocument/2006/relationships" xmlns:ac="http://schemas.microsoft.com/office/drawing/2013/main/command" xmlns:pc="http://schemas.microsoft.com/office/powerpoint/2013/main/command">
+  <pc:docChgLst>
+    <pc:chgData name="Philip Leung" userId="4350a06e654399ec" providerId="LiveId" clId="{04F83ACD-91D3-4873-9780-41E075147682}"/>
+    <pc:docChg chg="modSld">
+      <pc:chgData name="Philip Leung" userId="4350a06e654399ec" providerId="LiveId" clId="{04F83ACD-91D3-4873-9780-41E075147682}" dt="2019-02-21T19:34:40.241" v="2" actId="1076"/>
+      <pc:docMkLst>
+        <pc:docMk/>
+      </pc:docMkLst>
+      <pc:sldChg chg="addSp modSp">
+        <pc:chgData name="Philip Leung" userId="4350a06e654399ec" providerId="LiveId" clId="{04F83ACD-91D3-4873-9780-41E075147682}" dt="2019-02-21T19:34:40.241" v="2" actId="1076"/>
+        <pc:sldMkLst>
+          <pc:docMk/>
+          <pc:sldMk cId="941142400" sldId="256"/>
+        </pc:sldMkLst>
+        <pc:picChg chg="add mod">
+          <ac:chgData name="Philip Leung" userId="4350a06e654399ec" providerId="LiveId" clId="{04F83ACD-91D3-4873-9780-41E075147682}" dt="2019-02-21T19:34:40.241" v="2" actId="1076"/>
+          <ac:picMkLst>
+            <pc:docMk/>
+            <pc:sldMk cId="941142400" sldId="256"/>
+            <ac:picMk id="5" creationId="{66E95A3E-BE01-4BD1-9D84-5AA1EF9FDF33}"/>
+          </ac:picMkLst>
+        </pc:picChg>
+      </pc:sldChg>
+    </pc:docChg>
+  </pc:docChgLst>
+</pc:chgInfo>
+</file>
+
 <file path=ppt/notesMasters/notesMaster1.xml><?xml version="1.0" encoding="utf-8"?>
 <p:notesMaster xmlns:a="http://schemas.openxmlformats.org/drawingml/2006/main" xmlns:r="http://schemas.openxmlformats.org/officeDocument/2006/relationships" xmlns:p="http://schemas.openxmlformats.org/presentationml/2006/main">
   <p:cSld>
@@ -206,7 +243,7 @@
           <a:p>
             <a:fld id="{341A0978-C578-41F0-9BCD-1643209C8591}" type="datetimeFigureOut">
               <a:rPr lang="en-US" smtClean="0"/>
-              <a:t>2/20/2019</a:t>
+              <a:t>2/21/2019</a:t>
             </a:fld>
             <a:endParaRPr lang="en-US"/>
           </a:p>
@@ -1419,7 +1456,7 @@
           <a:p>
             <a:fld id="{A1BD557B-0F3E-447C-BFAB-106193AF038E}" type="datetime1">
               <a:rPr lang="en-US" smtClean="0"/>
-              <a:t>2/20/2019</a:t>
+              <a:t>2/21/2019</a:t>
             </a:fld>
             <a:endParaRPr lang="en-US"/>
           </a:p>
@@ -2507,7 +2544,7 @@
           <a:p>
             <a:fld id="{02299041-52D1-437A-BC38-7255DDE98129}" type="datetime1">
               <a:rPr lang="en-US" smtClean="0"/>
-              <a:t>2/20/2019</a:t>
+              <a:t>2/21/2019</a:t>
             </a:fld>
             <a:endParaRPr lang="en-US"/>
           </a:p>
@@ -3488,7 +3525,7 @@
           <a:p>
             <a:fld id="{02299041-52D1-437A-BC38-7255DDE98129}" type="datetime1">
               <a:rPr lang="en-US" smtClean="0"/>
-              <a:t>2/20/2019</a:t>
+              <a:t>2/21/2019</a:t>
             </a:fld>
             <a:endParaRPr lang="en-US"/>
           </a:p>
@@ -4623,7 +4660,7 @@
           <a:p>
             <a:fld id="{02299041-52D1-437A-BC38-7255DDE98129}" type="datetime1">
               <a:rPr lang="en-US" smtClean="0"/>
-              <a:t>2/20/2019</a:t>
+              <a:t>2/21/2019</a:t>
             </a:fld>
             <a:endParaRPr lang="en-US"/>
           </a:p>
@@ -5657,7 +5694,7 @@
           <a:p>
             <a:fld id="{02299041-52D1-437A-BC38-7255DDE98129}" type="datetime1">
               <a:rPr lang="en-US" smtClean="0"/>
-              <a:t>2/20/2019</a:t>
+              <a:t>2/21/2019</a:t>
             </a:fld>
             <a:endParaRPr lang="en-US"/>
           </a:p>
@@ -6318,7 +6355,7 @@
           <a:p>
             <a:fld id="{02299041-52D1-437A-BC38-7255DDE98129}" type="datetime1">
               <a:rPr lang="en-US" smtClean="0"/>
-              <a:t>2/20/2019</a:t>
+              <a:t>2/21/2019</a:t>
             </a:fld>
             <a:endParaRPr lang="en-US"/>
           </a:p>
@@ -7180,7 +7217,7 @@
           <a:p>
             <a:fld id="{02299041-52D1-437A-BC38-7255DDE98129}" type="datetime1">
               <a:rPr lang="en-US" smtClean="0"/>
-              <a:t>2/20/2019</a:t>
+              <a:t>2/21/2019</a:t>
             </a:fld>
             <a:endParaRPr lang="en-US"/>
           </a:p>
@@ -7371,7 +7408,7 @@
           <a:p>
             <a:fld id="{27617A8D-E480-4523-B821-2D523F255D24}" type="datetime1">
               <a:rPr lang="en-US" smtClean="0"/>
-              <a:t>2/20/2019</a:t>
+              <a:t>2/21/2019</a:t>
             </a:fld>
             <a:endParaRPr lang="en-US"/>
           </a:p>
@@ -8343,7 +8380,7 @@
           <a:p>
             <a:fld id="{C0DF6CAC-4BFB-477A-AB88-F143DED0569E}" type="datetime1">
               <a:rPr lang="en-US" smtClean="0"/>
-              <a:t>2/20/2019</a:t>
+              <a:t>2/21/2019</a:t>
             </a:fld>
             <a:endParaRPr lang="en-US"/>
           </a:p>
@@ -8554,7 +8591,7 @@
           <a:p>
             <a:fld id="{4873E703-2070-4247-A0CA-61EC522F2A58}" type="datetime1">
               <a:rPr lang="en-US" smtClean="0"/>
-              <a:t>2/20/2019</a:t>
+              <a:t>2/21/2019</a:t>
             </a:fld>
             <a:endParaRPr lang="en-US"/>
           </a:p>
@@ -9588,7 +9625,7 @@
           <a:p>
             <a:fld id="{CF6A24F5-E9A2-400A-9CCC-20C1F92B0716}" type="datetime1">
               <a:rPr lang="en-US" smtClean="0"/>
-              <a:t>2/20/2019</a:t>
+              <a:t>2/21/2019</a:t>
             </a:fld>
             <a:endParaRPr lang="en-US"/>
           </a:p>
@@ -9860,7 +9897,7 @@
           <a:p>
             <a:fld id="{00311D91-A8E6-43F7-8A1B-06D21ED16D4C}" type="datetime1">
               <a:rPr lang="en-US" smtClean="0"/>
-              <a:t>2/20/2019</a:t>
+              <a:t>2/21/2019</a:t>
             </a:fld>
             <a:endParaRPr lang="en-US"/>
           </a:p>
@@ -10270,7 +10307,7 @@
           <a:p>
             <a:fld id="{3073A407-1DD2-483C-959E-DB10C326C09E}" type="datetime1">
               <a:rPr lang="en-US" smtClean="0"/>
-              <a:t>2/20/2019</a:t>
+              <a:t>2/21/2019</a:t>
             </a:fld>
             <a:endParaRPr lang="en-US"/>
           </a:p>
@@ -10397,7 +10434,7 @@
           <a:p>
             <a:fld id="{3B4E783C-1693-4473-92EC-C1BC1E158654}" type="datetime1">
               <a:rPr lang="en-US" smtClean="0"/>
-              <a:t>2/20/2019</a:t>
+              <a:t>2/21/2019</a:t>
             </a:fld>
             <a:endParaRPr lang="en-US"/>
           </a:p>
@@ -10492,7 +10529,7 @@
           <a:p>
             <a:fld id="{58300CDC-34F7-4A1A-B7CC-67DD7991D28D}" type="datetime1">
               <a:rPr lang="en-US" smtClean="0"/>
-              <a:t>2/20/2019</a:t>
+              <a:t>2/21/2019</a:t>
             </a:fld>
             <a:endParaRPr lang="en-US"/>
           </a:p>
@@ -11573,7 +11610,7 @@
           <a:p>
             <a:fld id="{39023AD2-A3B8-4CFD-8BDD-1B04273D9D47}" type="datetime1">
               <a:rPr lang="en-US" smtClean="0"/>
-              <a:t>2/20/2019</a:t>
+              <a:t>2/21/2019</a:t>
             </a:fld>
             <a:endParaRPr lang="en-US"/>
           </a:p>
@@ -12681,7 +12718,7 @@
           <a:p>
             <a:fld id="{47D4B948-B974-4B32-8F82-3E8458710745}" type="datetime1">
               <a:rPr lang="en-US" smtClean="0"/>
-              <a:t>2/20/2019</a:t>
+              <a:t>2/21/2019</a:t>
             </a:fld>
             <a:endParaRPr lang="en-US"/>
           </a:p>
@@ -13678,7 +13715,7 @@
           <a:p>
             <a:fld id="{02299041-52D1-437A-BC38-7255DDE98129}" type="datetime1">
               <a:rPr lang="en-US" smtClean="0"/>
-              <a:t>2/20/2019</a:t>
+              <a:t>2/21/2019</a:t>
             </a:fld>
             <a:endParaRPr lang="en-US"/>
           </a:p>
@@ -14331,6 +14368,42 @@
           </a:p>
         </p:txBody>
       </p:sp>
+      <p:pic>
+        <p:nvPicPr>
+          <p:cNvPr id="5" name="Picture 4" descr="A close up of an animal&#10;&#10;Description automatically generated">
+            <a:extLst>
+              <a:ext uri="{FF2B5EF4-FFF2-40B4-BE49-F238E27FC236}">
+                <a16:creationId xmlns:a16="http://schemas.microsoft.com/office/drawing/2014/main" id="{66E95A3E-BE01-4BD1-9D84-5AA1EF9FDF33}"/>
+              </a:ext>
+            </a:extLst>
+          </p:cNvPr>
+          <p:cNvPicPr>
+            <a:picLocks noChangeAspect="1"/>
+          </p:cNvPicPr>
+          <p:nvPr/>
+        </p:nvPicPr>
+        <p:blipFill>
+          <a:blip r:embed="rId2">
+            <a:extLst>
+              <a:ext uri="{28A0092B-C50C-407E-A947-70E740481C1C}">
+                <a14:useLocalDpi xmlns:a14="http://schemas.microsoft.com/office/drawing/2010/main" val="0"/>
+              </a:ext>
+            </a:extLst>
+          </a:blip>
+          <a:stretch>
+            <a:fillRect/>
+          </a:stretch>
+        </p:blipFill>
+        <p:spPr>
+          <a:xfrm>
+            <a:off x="9975051" y="4126401"/>
+            <a:ext cx="1182427" cy="861274"/>
+          </a:xfrm>
+          <a:prstGeom prst="rect">
+            <a:avLst/>
+          </a:prstGeom>
+        </p:spPr>
+      </p:pic>
     </p:spTree>
     <p:extLst>
       <p:ext uri="{BB962C8B-B14F-4D97-AF65-F5344CB8AC3E}">

--- a/MetaMolES  - RDKit.pptx
+++ b/MetaMolES  - RDKit.pptx
@@ -127,7 +127,7 @@
 <file path=ppt/revisionInfo.xml><?xml version="1.0" encoding="utf-8"?>
 <p1510:revInfo xmlns:a="http://schemas.openxmlformats.org/drawingml/2006/main" xmlns:r="http://schemas.openxmlformats.org/officeDocument/2006/relationships" xmlns:p1510="http://schemas.microsoft.com/office/powerpoint/2015/10/main">
   <p1510:revLst>
-    <p1510:client id="{04F83ACD-91D3-4873-9780-41E075147682}" v="1" dt="2019-02-21T19:34:32.686"/>
+    <p1510:client id="{04F83ACD-91D3-4873-9780-41E075147682}" v="6" dt="2019-02-21T22:38:58.930"/>
   </p1510:revLst>
 </p1510:revInfo>
 </file>
@@ -136,17 +136,25 @@
 <pc:chgInfo xmlns:a="http://schemas.openxmlformats.org/drawingml/2006/main" xmlns:r="http://schemas.openxmlformats.org/officeDocument/2006/relationships" xmlns:ac="http://schemas.microsoft.com/office/drawing/2013/main/command" xmlns:pc="http://schemas.microsoft.com/office/powerpoint/2013/main/command">
   <pc:docChgLst>
     <pc:chgData name="Philip Leung" userId="4350a06e654399ec" providerId="LiveId" clId="{04F83ACD-91D3-4873-9780-41E075147682}"/>
-    <pc:docChg chg="modSld">
-      <pc:chgData name="Philip Leung" userId="4350a06e654399ec" providerId="LiveId" clId="{04F83ACD-91D3-4873-9780-41E075147682}" dt="2019-02-21T19:34:40.241" v="2" actId="1076"/>
+    <pc:docChg chg="undo custSel modSld">
+      <pc:chgData name="Philip Leung" userId="4350a06e654399ec" providerId="LiveId" clId="{04F83ACD-91D3-4873-9780-41E075147682}" dt="2019-02-21T22:38:59.010" v="63" actId="27636"/>
       <pc:docMkLst>
         <pc:docMk/>
       </pc:docMkLst>
       <pc:sldChg chg="addSp modSp">
-        <pc:chgData name="Philip Leung" userId="4350a06e654399ec" providerId="LiveId" clId="{04F83ACD-91D3-4873-9780-41E075147682}" dt="2019-02-21T19:34:40.241" v="2" actId="1076"/>
+        <pc:chgData name="Philip Leung" userId="4350a06e654399ec" providerId="LiveId" clId="{04F83ACD-91D3-4873-9780-41E075147682}" dt="2019-02-21T22:38:59.010" v="63" actId="27636"/>
         <pc:sldMkLst>
           <pc:docMk/>
           <pc:sldMk cId="941142400" sldId="256"/>
         </pc:sldMkLst>
+        <pc:spChg chg="mod">
+          <ac:chgData name="Philip Leung" userId="4350a06e654399ec" providerId="LiveId" clId="{04F83ACD-91D3-4873-9780-41E075147682}" dt="2019-02-21T22:38:59.010" v="63" actId="27636"/>
+          <ac:spMkLst>
+            <pc:docMk/>
+            <pc:sldMk cId="941142400" sldId="256"/>
+            <ac:spMk id="3" creationId="{966B6DA4-E4B3-45AB-80A4-16543B9DAF53}"/>
+          </ac:spMkLst>
+        </pc:spChg>
         <pc:picChg chg="add mod">
           <ac:chgData name="Philip Leung" userId="4350a06e654399ec" providerId="LiveId" clId="{04F83ACD-91D3-4873-9780-41E075147682}" dt="2019-02-21T19:34:40.241" v="2" actId="1076"/>
           <ac:picMkLst>
@@ -14321,7 +14329,9 @@
         </p:nvSpPr>
         <p:spPr/>
         <p:txBody>
-          <a:bodyPr/>
+          <a:bodyPr>
+            <a:normAutofit fontScale="92500"/>
+          </a:bodyPr>
           <a:lstStyle/>
           <a:p>
             <a:r>
@@ -14336,6 +14346,38 @@
               <a:rPr lang="en-US" dirty="0"/>
               <a:t> excavation of various python-compatible resources</a:t>
             </a:r>
+          </a:p>
+          <a:p>
+            <a:r>
+              <a:rPr lang="en-US" dirty="0" err="1"/>
+              <a:t>ELLie</a:t>
+            </a:r>
+            <a:r>
+              <a:rPr lang="en-US" dirty="0"/>
+              <a:t> James, ICE </a:t>
+            </a:r>
+            <a:r>
+              <a:rPr lang="en-US" dirty="0" err="1"/>
+              <a:t>Kiattisewee</a:t>
+            </a:r>
+            <a:r>
+              <a:rPr lang="en-US" dirty="0"/>
+              <a:t>, Phil Leung, Stephen </a:t>
+            </a:r>
+            <a:r>
+              <a:rPr lang="en-US" dirty="0" err="1"/>
+              <a:t>Blaskowski</a:t>
+            </a:r>
+            <a:r>
+              <a:rPr lang="en-US"/>
+              <a:t>, Yeon Mi Hwang</a:t>
+            </a:r>
+          </a:p>
+          <a:p>
+            <a:endParaRPr lang="en-US" dirty="0"/>
+          </a:p>
+          <a:p>
+            <a:endParaRPr lang="en-US" dirty="0"/>
           </a:p>
         </p:txBody>
       </p:sp>
